--- a/ppt/2DGP 1차 발표.pptx
+++ b/ppt/2DGP 1차 발표.pptx
@@ -264,7 +264,7 @@
           <a:p>
             <a:fld id="{12DFC875-B2DB-4FC8-9A52-2BD2954FB3B5}" type="datetimeFigureOut">
               <a:rPr lang="ko-KR" altLang="en-US" smtClean="0"/>
-              <a:t>2019-10-27</a:t>
+              <a:t>2019-10-28</a:t>
             </a:fld>
             <a:endParaRPr lang="ko-KR" altLang="en-US"/>
           </a:p>
@@ -462,7 +462,7 @@
           <a:p>
             <a:fld id="{12DFC875-B2DB-4FC8-9A52-2BD2954FB3B5}" type="datetimeFigureOut">
               <a:rPr lang="ko-KR" altLang="en-US" smtClean="0"/>
-              <a:t>2019-10-27</a:t>
+              <a:t>2019-10-28</a:t>
             </a:fld>
             <a:endParaRPr lang="ko-KR" altLang="en-US"/>
           </a:p>
@@ -670,7 +670,7 @@
           <a:p>
             <a:fld id="{12DFC875-B2DB-4FC8-9A52-2BD2954FB3B5}" type="datetimeFigureOut">
               <a:rPr lang="ko-KR" altLang="en-US" smtClean="0"/>
-              <a:t>2019-10-27</a:t>
+              <a:t>2019-10-28</a:t>
             </a:fld>
             <a:endParaRPr lang="ko-KR" altLang="en-US"/>
           </a:p>
@@ -868,7 +868,7 @@
           <a:p>
             <a:fld id="{12DFC875-B2DB-4FC8-9A52-2BD2954FB3B5}" type="datetimeFigureOut">
               <a:rPr lang="ko-KR" altLang="en-US" smtClean="0"/>
-              <a:t>2019-10-27</a:t>
+              <a:t>2019-10-28</a:t>
             </a:fld>
             <a:endParaRPr lang="ko-KR" altLang="en-US"/>
           </a:p>
@@ -1143,7 +1143,7 @@
           <a:p>
             <a:fld id="{12DFC875-B2DB-4FC8-9A52-2BD2954FB3B5}" type="datetimeFigureOut">
               <a:rPr lang="ko-KR" altLang="en-US" smtClean="0"/>
-              <a:t>2019-10-27</a:t>
+              <a:t>2019-10-28</a:t>
             </a:fld>
             <a:endParaRPr lang="ko-KR" altLang="en-US"/>
           </a:p>
@@ -1408,7 +1408,7 @@
           <a:p>
             <a:fld id="{12DFC875-B2DB-4FC8-9A52-2BD2954FB3B5}" type="datetimeFigureOut">
               <a:rPr lang="ko-KR" altLang="en-US" smtClean="0"/>
-              <a:t>2019-10-27</a:t>
+              <a:t>2019-10-28</a:t>
             </a:fld>
             <a:endParaRPr lang="ko-KR" altLang="en-US"/>
           </a:p>
@@ -1820,7 +1820,7 @@
           <a:p>
             <a:fld id="{12DFC875-B2DB-4FC8-9A52-2BD2954FB3B5}" type="datetimeFigureOut">
               <a:rPr lang="ko-KR" altLang="en-US" smtClean="0"/>
-              <a:t>2019-10-27</a:t>
+              <a:t>2019-10-28</a:t>
             </a:fld>
             <a:endParaRPr lang="ko-KR" altLang="en-US"/>
           </a:p>
@@ -1961,7 +1961,7 @@
           <a:p>
             <a:fld id="{12DFC875-B2DB-4FC8-9A52-2BD2954FB3B5}" type="datetimeFigureOut">
               <a:rPr lang="ko-KR" altLang="en-US" smtClean="0"/>
-              <a:t>2019-10-27</a:t>
+              <a:t>2019-10-28</a:t>
             </a:fld>
             <a:endParaRPr lang="ko-KR" altLang="en-US"/>
           </a:p>
@@ -2074,7 +2074,7 @@
           <a:p>
             <a:fld id="{12DFC875-B2DB-4FC8-9A52-2BD2954FB3B5}" type="datetimeFigureOut">
               <a:rPr lang="ko-KR" altLang="en-US" smtClean="0"/>
-              <a:t>2019-10-27</a:t>
+              <a:t>2019-10-28</a:t>
             </a:fld>
             <a:endParaRPr lang="ko-KR" altLang="en-US"/>
           </a:p>
@@ -2385,7 +2385,7 @@
           <a:p>
             <a:fld id="{12DFC875-B2DB-4FC8-9A52-2BD2954FB3B5}" type="datetimeFigureOut">
               <a:rPr lang="ko-KR" altLang="en-US" smtClean="0"/>
-              <a:t>2019-10-27</a:t>
+              <a:t>2019-10-28</a:t>
             </a:fld>
             <a:endParaRPr lang="ko-KR" altLang="en-US"/>
           </a:p>
@@ -2673,7 +2673,7 @@
           <a:p>
             <a:fld id="{12DFC875-B2DB-4FC8-9A52-2BD2954FB3B5}" type="datetimeFigureOut">
               <a:rPr lang="ko-KR" altLang="en-US" smtClean="0"/>
-              <a:t>2019-10-27</a:t>
+              <a:t>2019-10-28</a:t>
             </a:fld>
             <a:endParaRPr lang="ko-KR" altLang="en-US"/>
           </a:p>
@@ -2914,7 +2914,7 @@
           <a:p>
             <a:fld id="{12DFC875-B2DB-4FC8-9A52-2BD2954FB3B5}" type="datetimeFigureOut">
               <a:rPr lang="ko-KR" altLang="en-US" smtClean="0"/>
-              <a:t>2019-10-27</a:t>
+              <a:t>2019-10-28</a:t>
             </a:fld>
             <a:endParaRPr lang="ko-KR" altLang="en-US"/>
           </a:p>
@@ -8077,7 +8077,7 @@
           <p:nvPr>
             <p:extLst>
               <p:ext uri="{D42A27DB-BD31-4B8C-83A1-F6EECF244321}">
-                <p14:modId xmlns:p14="http://schemas.microsoft.com/office/powerpoint/2010/main" val="950501066"/>
+                <p14:modId xmlns:p14="http://schemas.microsoft.com/office/powerpoint/2010/main" val="2777842861"/>
               </p:ext>
             </p:extLst>
           </p:nvPr>
@@ -8903,10 +8903,16 @@
                     <a:p>
                       <a:pPr algn="ctr" latinLnBrk="1"/>
                       <a:r>
+                        <a:rPr lang="ko-KR" altLang="en-US">
+                          <a:effectLst/>
+                        </a:rPr>
+                        <a:t>장애물 충돌 </a:t>
+                      </a:r>
+                      <a:r>
                         <a:rPr lang="ko-KR" altLang="en-US" dirty="0">
                           <a:effectLst/>
                         </a:rPr>
-                        <a:t>충돌 시 게임 종료</a:t>
+                        <a:t>시 게임 종료</a:t>
                       </a:r>
                       <a:endParaRPr lang="ko-KR" altLang="en-US" b="1" dirty="0">
                         <a:solidFill>
